--- a/doc/Skizzen.pptx
+++ b/doc/Skizzen.pptx
@@ -254,7 +254,7 @@
           <a:p>
             <a:fld id="{52F6EFB1-9342-4C51-8506-DFD729099B44}" type="datetimeFigureOut">
               <a:rPr lang="de-CH" smtClean="0"/>
-              <a:t>20.05.2015</a:t>
+              <a:t>22.05.2015</a:t>
             </a:fld>
             <a:endParaRPr lang="de-CH"/>
           </a:p>
@@ -424,7 +424,7 @@
           <a:p>
             <a:fld id="{52F6EFB1-9342-4C51-8506-DFD729099B44}" type="datetimeFigureOut">
               <a:rPr lang="de-CH" smtClean="0"/>
-              <a:t>20.05.2015</a:t>
+              <a:t>22.05.2015</a:t>
             </a:fld>
             <a:endParaRPr lang="de-CH"/>
           </a:p>
@@ -604,7 +604,7 @@
           <a:p>
             <a:fld id="{52F6EFB1-9342-4C51-8506-DFD729099B44}" type="datetimeFigureOut">
               <a:rPr lang="de-CH" smtClean="0"/>
-              <a:t>20.05.2015</a:t>
+              <a:t>22.05.2015</a:t>
             </a:fld>
             <a:endParaRPr lang="de-CH"/>
           </a:p>
@@ -774,7 +774,7 @@
           <a:p>
             <a:fld id="{52F6EFB1-9342-4C51-8506-DFD729099B44}" type="datetimeFigureOut">
               <a:rPr lang="de-CH" smtClean="0"/>
-              <a:t>20.05.2015</a:t>
+              <a:t>22.05.2015</a:t>
             </a:fld>
             <a:endParaRPr lang="de-CH"/>
           </a:p>
@@ -1020,7 +1020,7 @@
           <a:p>
             <a:fld id="{52F6EFB1-9342-4C51-8506-DFD729099B44}" type="datetimeFigureOut">
               <a:rPr lang="de-CH" smtClean="0"/>
-              <a:t>20.05.2015</a:t>
+              <a:t>22.05.2015</a:t>
             </a:fld>
             <a:endParaRPr lang="de-CH"/>
           </a:p>
@@ -1252,7 +1252,7 @@
           <a:p>
             <a:fld id="{52F6EFB1-9342-4C51-8506-DFD729099B44}" type="datetimeFigureOut">
               <a:rPr lang="de-CH" smtClean="0"/>
-              <a:t>20.05.2015</a:t>
+              <a:t>22.05.2015</a:t>
             </a:fld>
             <a:endParaRPr lang="de-CH"/>
           </a:p>
@@ -1619,7 +1619,7 @@
           <a:p>
             <a:fld id="{52F6EFB1-9342-4C51-8506-DFD729099B44}" type="datetimeFigureOut">
               <a:rPr lang="de-CH" smtClean="0"/>
-              <a:t>20.05.2015</a:t>
+              <a:t>22.05.2015</a:t>
             </a:fld>
             <a:endParaRPr lang="de-CH"/>
           </a:p>
@@ -1737,7 +1737,7 @@
           <a:p>
             <a:fld id="{52F6EFB1-9342-4C51-8506-DFD729099B44}" type="datetimeFigureOut">
               <a:rPr lang="de-CH" smtClean="0"/>
-              <a:t>20.05.2015</a:t>
+              <a:t>22.05.2015</a:t>
             </a:fld>
             <a:endParaRPr lang="de-CH"/>
           </a:p>
@@ -1832,7 +1832,7 @@
           <a:p>
             <a:fld id="{52F6EFB1-9342-4C51-8506-DFD729099B44}" type="datetimeFigureOut">
               <a:rPr lang="de-CH" smtClean="0"/>
-              <a:t>20.05.2015</a:t>
+              <a:t>22.05.2015</a:t>
             </a:fld>
             <a:endParaRPr lang="de-CH"/>
           </a:p>
@@ -2109,7 +2109,7 @@
           <a:p>
             <a:fld id="{52F6EFB1-9342-4C51-8506-DFD729099B44}" type="datetimeFigureOut">
               <a:rPr lang="de-CH" smtClean="0"/>
-              <a:t>20.05.2015</a:t>
+              <a:t>22.05.2015</a:t>
             </a:fld>
             <a:endParaRPr lang="de-CH"/>
           </a:p>
@@ -2362,7 +2362,7 @@
           <a:p>
             <a:fld id="{52F6EFB1-9342-4C51-8506-DFD729099B44}" type="datetimeFigureOut">
               <a:rPr lang="de-CH" smtClean="0"/>
-              <a:t>20.05.2015</a:t>
+              <a:t>22.05.2015</a:t>
             </a:fld>
             <a:endParaRPr lang="de-CH"/>
           </a:p>
@@ -2575,7 +2575,7 @@
           <a:p>
             <a:fld id="{52F6EFB1-9342-4C51-8506-DFD729099B44}" type="datetimeFigureOut">
               <a:rPr lang="de-CH" smtClean="0"/>
-              <a:t>20.05.2015</a:t>
+              <a:t>22.05.2015</a:t>
             </a:fld>
             <a:endParaRPr lang="de-CH"/>
           </a:p>
@@ -3285,6 +3285,86 @@
           </a:p>
         </p:txBody>
       </p:sp>
+      <p:sp>
+        <p:nvSpPr>
+          <p:cNvPr id="10" name="Textfeld 9"/>
+          <p:cNvSpPr txBox="1"/>
+          <p:nvPr/>
+        </p:nvSpPr>
+        <p:spPr>
+          <a:xfrm>
+            <a:off x="9310698" y="3049821"/>
+            <a:ext cx="1494768" cy="369332"/>
+          </a:xfrm>
+          <a:prstGeom prst="rect">
+            <a:avLst/>
+          </a:prstGeom>
+          <a:solidFill>
+            <a:schemeClr val="bg1">
+              <a:alpha val="75000"/>
+            </a:schemeClr>
+          </a:solidFill>
+        </p:spPr>
+        <p:txBody>
+          <a:bodyPr wrap="none" rtlCol="0">
+            <a:spAutoFit/>
+          </a:bodyPr>
+          <a:lstStyle/>
+          <a:p>
+            <a:r>
+              <a:rPr lang="de-CH" dirty="0" smtClean="0"/>
+              <a:t>Bushaltestelle</a:t>
+            </a:r>
+            <a:endParaRPr lang="de-CH" dirty="0"/>
+          </a:p>
+        </p:txBody>
+      </p:sp>
+      <p:sp>
+        <p:nvSpPr>
+          <p:cNvPr id="14" name="Ellipse 13"/>
+          <p:cNvSpPr/>
+          <p:nvPr/>
+        </p:nvSpPr>
+        <p:spPr>
+          <a:xfrm>
+            <a:off x="9019574" y="3124199"/>
+            <a:ext cx="304800" cy="304800"/>
+          </a:xfrm>
+          <a:prstGeom prst="ellipse">
+            <a:avLst/>
+          </a:prstGeom>
+          <a:noFill/>
+          <a:ln w="19050">
+            <a:solidFill>
+              <a:srgbClr val="C00000"/>
+            </a:solidFill>
+          </a:ln>
+        </p:spPr>
+        <p:style>
+          <a:lnRef idx="2">
+            <a:schemeClr val="accent1">
+              <a:shade val="50000"/>
+            </a:schemeClr>
+          </a:lnRef>
+          <a:fillRef idx="1">
+            <a:schemeClr val="accent1"/>
+          </a:fillRef>
+          <a:effectRef idx="0">
+            <a:schemeClr val="accent1"/>
+          </a:effectRef>
+          <a:fontRef idx="minor">
+            <a:schemeClr val="lt1"/>
+          </a:fontRef>
+        </p:style>
+        <p:txBody>
+          <a:bodyPr rtlCol="0" anchor="ctr"/>
+          <a:lstStyle/>
+          <a:p>
+            <a:pPr algn="ctr"/>
+            <a:endParaRPr lang="de-CH"/>
+          </a:p>
+        </p:txBody>
+      </p:sp>
     </p:spTree>
     <p:extLst>
       <p:ext uri="{BB962C8B-B14F-4D97-AF65-F5344CB8AC3E}">
